--- a/Sequence Diagram/Sequence_Group.pptx
+++ b/Sequence Diagram/Sequence_Group.pptx
@@ -198,7 +198,7 @@
           <a:p>
             <a:fld id="{4E1E1666-EA4D-4B6D-994D-E20E4A9927E3}" type="datetimeFigureOut">
               <a:rPr lang="en-US" smtClean="0"/>
-              <a:t>5/10/2025</a:t>
+              <a:t>5/17/2025</a:t>
             </a:fld>
             <a:endParaRPr lang="en-US"/>
           </a:p>
@@ -804,7 +804,7 @@
           <a:p>
             <a:fld id="{6A3D2D27-7A1F-4570-A11B-61C2E96447E2}" type="datetimeFigureOut">
               <a:rPr lang="en-US" smtClean="0"/>
-              <a:t>5/10/2025</a:t>
+              <a:t>5/17/2025</a:t>
             </a:fld>
             <a:endParaRPr lang="en-US"/>
           </a:p>
@@ -1002,7 +1002,7 @@
           <a:p>
             <a:fld id="{6A3D2D27-7A1F-4570-A11B-61C2E96447E2}" type="datetimeFigureOut">
               <a:rPr lang="en-US" smtClean="0"/>
-              <a:t>5/10/2025</a:t>
+              <a:t>5/17/2025</a:t>
             </a:fld>
             <a:endParaRPr lang="en-US"/>
           </a:p>
@@ -1210,7 +1210,7 @@
           <a:p>
             <a:fld id="{6A3D2D27-7A1F-4570-A11B-61C2E96447E2}" type="datetimeFigureOut">
               <a:rPr lang="en-US" smtClean="0"/>
-              <a:t>5/10/2025</a:t>
+              <a:t>5/17/2025</a:t>
             </a:fld>
             <a:endParaRPr lang="en-US"/>
           </a:p>
@@ -1408,7 +1408,7 @@
           <a:p>
             <a:fld id="{6A3D2D27-7A1F-4570-A11B-61C2E96447E2}" type="datetimeFigureOut">
               <a:rPr lang="en-US" smtClean="0"/>
-              <a:t>5/10/2025</a:t>
+              <a:t>5/17/2025</a:t>
             </a:fld>
             <a:endParaRPr lang="en-US"/>
           </a:p>
@@ -1683,7 +1683,7 @@
           <a:p>
             <a:fld id="{6A3D2D27-7A1F-4570-A11B-61C2E96447E2}" type="datetimeFigureOut">
               <a:rPr lang="en-US" smtClean="0"/>
-              <a:t>5/10/2025</a:t>
+              <a:t>5/17/2025</a:t>
             </a:fld>
             <a:endParaRPr lang="en-US"/>
           </a:p>
@@ -1948,7 +1948,7 @@
           <a:p>
             <a:fld id="{6A3D2D27-7A1F-4570-A11B-61C2E96447E2}" type="datetimeFigureOut">
               <a:rPr lang="en-US" smtClean="0"/>
-              <a:t>5/10/2025</a:t>
+              <a:t>5/17/2025</a:t>
             </a:fld>
             <a:endParaRPr lang="en-US"/>
           </a:p>
@@ -2360,7 +2360,7 @@
           <a:p>
             <a:fld id="{6A3D2D27-7A1F-4570-A11B-61C2E96447E2}" type="datetimeFigureOut">
               <a:rPr lang="en-US" smtClean="0"/>
-              <a:t>5/10/2025</a:t>
+              <a:t>5/17/2025</a:t>
             </a:fld>
             <a:endParaRPr lang="en-US"/>
           </a:p>
@@ -2501,7 +2501,7 @@
           <a:p>
             <a:fld id="{6A3D2D27-7A1F-4570-A11B-61C2E96447E2}" type="datetimeFigureOut">
               <a:rPr lang="en-US" smtClean="0"/>
-              <a:t>5/10/2025</a:t>
+              <a:t>5/17/2025</a:t>
             </a:fld>
             <a:endParaRPr lang="en-US"/>
           </a:p>
@@ -2614,7 +2614,7 @@
           <a:p>
             <a:fld id="{6A3D2D27-7A1F-4570-A11B-61C2E96447E2}" type="datetimeFigureOut">
               <a:rPr lang="en-US" smtClean="0"/>
-              <a:t>5/10/2025</a:t>
+              <a:t>5/17/2025</a:t>
             </a:fld>
             <a:endParaRPr lang="en-US"/>
           </a:p>
@@ -2925,7 +2925,7 @@
           <a:p>
             <a:fld id="{6A3D2D27-7A1F-4570-A11B-61C2E96447E2}" type="datetimeFigureOut">
               <a:rPr lang="en-US" smtClean="0"/>
-              <a:t>5/10/2025</a:t>
+              <a:t>5/17/2025</a:t>
             </a:fld>
             <a:endParaRPr lang="en-US"/>
           </a:p>
@@ -3213,7 +3213,7 @@
           <a:p>
             <a:fld id="{6A3D2D27-7A1F-4570-A11B-61C2E96447E2}" type="datetimeFigureOut">
               <a:rPr lang="en-US" smtClean="0"/>
-              <a:t>5/10/2025</a:t>
+              <a:t>5/17/2025</a:t>
             </a:fld>
             <a:endParaRPr lang="en-US"/>
           </a:p>
@@ -3454,7 +3454,7 @@
           <a:p>
             <a:fld id="{6A3D2D27-7A1F-4570-A11B-61C2E96447E2}" type="datetimeFigureOut">
               <a:rPr lang="en-US" smtClean="0"/>
-              <a:t>5/10/2025</a:t>
+              <a:t>5/17/2025</a:t>
             </a:fld>
             <a:endParaRPr lang="en-US"/>
           </a:p>
@@ -5377,7 +5377,7 @@
         </p:nvCxnSpPr>
         <p:spPr>
           <a:xfrm>
-            <a:off x="591424" y="1517515"/>
+            <a:off x="555350" y="1182201"/>
             <a:ext cx="1337869" cy="0"/>
           </a:xfrm>
           <a:prstGeom prst="straightConnector1">
@@ -5416,7 +5416,7 @@
         </p:nvSpPr>
         <p:spPr>
           <a:xfrm>
-            <a:off x="503832" y="1233272"/>
+            <a:off x="371527" y="1157231"/>
             <a:ext cx="1587294" cy="246221"/>
           </a:xfrm>
           <a:prstGeom prst="rect">
@@ -5460,7 +5460,7 @@
         </p:nvCxnSpPr>
         <p:spPr>
           <a:xfrm>
-            <a:off x="1930875" y="2045499"/>
+            <a:off x="1894801" y="1710185"/>
             <a:ext cx="1795146" cy="0"/>
           </a:xfrm>
           <a:prstGeom prst="straightConnector1">
@@ -5499,7 +5499,7 @@
         </p:nvSpPr>
         <p:spPr>
           <a:xfrm>
-            <a:off x="1843283" y="1761256"/>
+            <a:off x="1807209" y="1425942"/>
             <a:ext cx="2068195" cy="246221"/>
           </a:xfrm>
           <a:prstGeom prst="rect">
@@ -5541,8 +5541,8 @@
         </p:nvSpPr>
         <p:spPr>
           <a:xfrm>
-            <a:off x="36074" y="2149812"/>
-            <a:ext cx="12192000" cy="4198067"/>
+            <a:off x="0" y="1814498"/>
+            <a:ext cx="12192000" cy="4980585"/>
           </a:xfrm>
           <a:prstGeom prst="rect">
             <a:avLst/>
@@ -5586,7 +5586,7 @@
         </p:nvSpPr>
         <p:spPr>
           <a:xfrm>
-            <a:off x="0" y="2149813"/>
+            <a:off x="-36074" y="1814499"/>
             <a:ext cx="552791" cy="246218"/>
           </a:xfrm>
           <a:prstGeom prst="snip1Rect">
@@ -5645,7 +5645,7 @@
         </p:nvSpPr>
         <p:spPr>
           <a:xfrm>
-            <a:off x="560752" y="2149813"/>
+            <a:off x="524678" y="1814499"/>
             <a:ext cx="1252266" cy="246221"/>
           </a:xfrm>
           <a:prstGeom prst="rect">
@@ -5689,7 +5689,7 @@
         </p:nvCxnSpPr>
         <p:spPr>
           <a:xfrm>
-            <a:off x="3739310" y="2557163"/>
+            <a:off x="3703236" y="2221849"/>
             <a:ext cx="1699268" cy="0"/>
           </a:xfrm>
           <a:prstGeom prst="straightConnector1">
@@ -5728,7 +5728,7 @@
         </p:nvSpPr>
         <p:spPr>
           <a:xfrm>
-            <a:off x="3930247" y="2272920"/>
+            <a:off x="3894173" y="1937606"/>
             <a:ext cx="1215397" cy="246221"/>
           </a:xfrm>
           <a:prstGeom prst="rect">
@@ -5772,7 +5772,7 @@
         </p:nvCxnSpPr>
         <p:spPr>
           <a:xfrm>
-            <a:off x="3739310" y="2997218"/>
+            <a:off x="3703236" y="2661904"/>
             <a:ext cx="7843438" cy="0"/>
           </a:xfrm>
           <a:prstGeom prst="straightConnector1">
@@ -5811,7 +5811,7 @@
         </p:nvSpPr>
         <p:spPr>
           <a:xfrm>
-            <a:off x="3801276" y="2718293"/>
+            <a:off x="3765202" y="2382979"/>
             <a:ext cx="2334293" cy="246221"/>
           </a:xfrm>
           <a:prstGeom prst="rect">
@@ -5853,7 +5853,7 @@
         </p:nvCxnSpPr>
         <p:spPr>
           <a:xfrm>
-            <a:off x="52798" y="3151762"/>
+            <a:off x="16724" y="2816448"/>
             <a:ext cx="12192000" cy="0"/>
           </a:xfrm>
           <a:prstGeom prst="line">
@@ -5892,7 +5892,7 @@
         </p:nvSpPr>
         <p:spPr>
           <a:xfrm>
-            <a:off x="-41699" y="3204512"/>
+            <a:off x="-77773" y="2869198"/>
             <a:ext cx="1144865" cy="246221"/>
           </a:xfrm>
           <a:prstGeom prst="rect">
@@ -5934,7 +5934,7 @@
         </p:nvSpPr>
         <p:spPr>
           <a:xfrm>
-            <a:off x="136187" y="3521412"/>
+            <a:off x="100113" y="3186098"/>
             <a:ext cx="8439366" cy="1896893"/>
           </a:xfrm>
           <a:prstGeom prst="rect">
@@ -5981,7 +5981,7 @@
         </p:nvSpPr>
         <p:spPr>
           <a:xfrm>
-            <a:off x="131206" y="3508876"/>
+            <a:off x="95132" y="3173562"/>
             <a:ext cx="552791" cy="246218"/>
           </a:xfrm>
           <a:prstGeom prst="snip1Rect">
@@ -6017,7 +6017,7 @@
                 <a:latin typeface="Times New Roman" panose="02020603050405020304" pitchFamily="18" charset="0"/>
                 <a:cs typeface="Times New Roman" panose="02020603050405020304" pitchFamily="18" charset="0"/>
               </a:rPr>
-              <a:t>alt</a:t>
+              <a:t>opt</a:t>
             </a:r>
             <a:endParaRPr lang="en-US" sz="1200" dirty="0">
               <a:latin typeface="Times New Roman" panose="02020603050405020304" pitchFamily="18" charset="0"/>
@@ -6040,7 +6040,7 @@
         </p:nvSpPr>
         <p:spPr>
           <a:xfrm>
-            <a:off x="666286" y="3512447"/>
+            <a:off x="630212" y="3177133"/>
             <a:ext cx="827471" cy="246221"/>
           </a:xfrm>
           <a:prstGeom prst="rect">
@@ -6084,7 +6084,7 @@
         </p:nvCxnSpPr>
         <p:spPr>
           <a:xfrm flipH="1">
-            <a:off x="584434" y="4033629"/>
+            <a:off x="548360" y="3698315"/>
             <a:ext cx="1307808" cy="0"/>
           </a:xfrm>
           <a:prstGeom prst="straightConnector1">
@@ -6123,7 +6123,7 @@
         </p:nvSpPr>
         <p:spPr>
           <a:xfrm>
-            <a:off x="759508" y="3794324"/>
+            <a:off x="723434" y="3459010"/>
             <a:ext cx="1008609" cy="246221"/>
           </a:xfrm>
           <a:prstGeom prst="rect">
@@ -6165,7 +6165,7 @@
         </p:nvCxnSpPr>
         <p:spPr>
           <a:xfrm>
-            <a:off x="563653" y="4379060"/>
+            <a:off x="527579" y="4043746"/>
             <a:ext cx="1337869" cy="0"/>
           </a:xfrm>
           <a:prstGeom prst="straightConnector1">
@@ -6204,7 +6204,7 @@
         </p:nvSpPr>
         <p:spPr>
           <a:xfrm>
-            <a:off x="736388" y="4095032"/>
+            <a:off x="700314" y="3759718"/>
             <a:ext cx="931665" cy="246221"/>
           </a:xfrm>
           <a:prstGeom prst="rect">
@@ -6248,7 +6248,7 @@
         </p:nvCxnSpPr>
         <p:spPr>
           <a:xfrm>
-            <a:off x="1909521" y="4706978"/>
+            <a:off x="1873447" y="4371664"/>
             <a:ext cx="1795146" cy="0"/>
           </a:xfrm>
           <a:prstGeom prst="straightConnector1">
@@ -6287,7 +6287,7 @@
         </p:nvSpPr>
         <p:spPr>
           <a:xfrm>
-            <a:off x="1821929" y="4422735"/>
+            <a:off x="1785855" y="4087421"/>
             <a:ext cx="1951175" cy="246221"/>
           </a:xfrm>
           <a:prstGeom prst="rect">
@@ -6331,7 +6331,7 @@
         </p:nvCxnSpPr>
         <p:spPr>
           <a:xfrm flipV="1">
-            <a:off x="3756082" y="3872108"/>
+            <a:off x="3720008" y="3536794"/>
             <a:ext cx="3515223" cy="9339"/>
           </a:xfrm>
           <a:prstGeom prst="straightConnector1">
@@ -6370,7 +6370,7 @@
         </p:nvSpPr>
         <p:spPr>
           <a:xfrm>
-            <a:off x="3679042" y="3625887"/>
+            <a:off x="3642968" y="3290573"/>
             <a:ext cx="1348446" cy="246221"/>
           </a:xfrm>
           <a:prstGeom prst="rect">
@@ -6414,7 +6414,7 @@
         </p:nvCxnSpPr>
         <p:spPr>
           <a:xfrm>
-            <a:off x="3757511" y="3436324"/>
+            <a:off x="3721437" y="3101010"/>
             <a:ext cx="1699268" cy="0"/>
           </a:xfrm>
           <a:prstGeom prst="straightConnector1">
@@ -6453,7 +6453,7 @@
         </p:nvSpPr>
         <p:spPr>
           <a:xfrm>
-            <a:off x="3755419" y="3152081"/>
+            <a:off x="3719345" y="2816767"/>
             <a:ext cx="1697901" cy="246221"/>
           </a:xfrm>
           <a:prstGeom prst="rect">
@@ -6497,7 +6497,7 @@
         </p:nvCxnSpPr>
         <p:spPr>
           <a:xfrm flipV="1">
-            <a:off x="3751634" y="5176525"/>
+            <a:off x="3715560" y="4841211"/>
             <a:ext cx="4472292" cy="14008"/>
           </a:xfrm>
           <a:prstGeom prst="straightConnector1">
@@ -6536,7 +6536,7 @@
         </p:nvSpPr>
         <p:spPr>
           <a:xfrm>
-            <a:off x="3674594" y="4934973"/>
+            <a:off x="3638520" y="4599659"/>
             <a:ext cx="1441420" cy="246221"/>
           </a:xfrm>
           <a:prstGeom prst="rect">
@@ -6580,14 +6580,14 @@
         </p:nvCxnSpPr>
         <p:spPr>
           <a:xfrm>
-            <a:off x="3736694" y="5731231"/>
+            <a:off x="3700620" y="5395917"/>
             <a:ext cx="2520672" cy="0"/>
           </a:xfrm>
           <a:prstGeom prst="straightConnector1">
             <a:avLst/>
           </a:prstGeom>
           <a:ln>
-            <a:tailEnd type="triangle"/>
+            <a:tailEnd type="arrow"/>
           </a:ln>
         </p:spPr>
         <p:style>
@@ -6619,7 +6619,7 @@
         </p:nvSpPr>
         <p:spPr>
           <a:xfrm>
-            <a:off x="3659654" y="5475671"/>
+            <a:off x="3623580" y="5140357"/>
             <a:ext cx="2274982" cy="246221"/>
           </a:xfrm>
           <a:prstGeom prst="rect">
@@ -6663,14 +6663,15 @@
         </p:nvCxnSpPr>
         <p:spPr>
           <a:xfrm>
-            <a:off x="3736694" y="6138153"/>
+            <a:off x="3700620" y="5802839"/>
             <a:ext cx="7843438" cy="0"/>
           </a:xfrm>
           <a:prstGeom prst="straightConnector1">
             <a:avLst/>
           </a:prstGeom>
           <a:ln>
-            <a:tailEnd type="triangle"/>
+            <a:headEnd type="none"/>
+            <a:tailEnd type="arrow"/>
           </a:ln>
         </p:spPr>
         <p:style>
@@ -6702,7 +6703,7 @@
         </p:nvSpPr>
         <p:spPr>
           <a:xfrm>
-            <a:off x="3783435" y="5839763"/>
+            <a:off x="3747361" y="5504449"/>
             <a:ext cx="2387192" cy="246221"/>
           </a:xfrm>
           <a:prstGeom prst="rect">
@@ -6722,6 +6723,947 @@
                 <a:cs typeface="Times New Roman" panose="02020603050405020304" pitchFamily="18" charset="0"/>
               </a:rPr>
               <a:t>Send(user, “Yêu cầu đang chờ phê duyệt”)</a:t>
+            </a:r>
+            <a:endParaRPr lang="en-US" sz="1000" dirty="0">
+              <a:latin typeface="Times New Roman" panose="02020603050405020304" pitchFamily="18" charset="0"/>
+              <a:cs typeface="Times New Roman" panose="02020603050405020304" pitchFamily="18" charset="0"/>
+            </a:endParaRPr>
+          </a:p>
+        </p:txBody>
+      </p:sp>
+      <p:sp>
+        <p:nvSpPr>
+          <p:cNvPr id="3" name="Rectangle 2">
+            <a:extLst>
+              <a:ext uri="{FF2B5EF4-FFF2-40B4-BE49-F238E27FC236}">
+                <a16:creationId xmlns:a16="http://schemas.microsoft.com/office/drawing/2014/main" id="{DF0457A9-8F29-9FC1-2B28-EEB86F407CD1}"/>
+              </a:ext>
+            </a:extLst>
+          </p:cNvPr>
+          <p:cNvSpPr/>
+          <p:nvPr/>
+        </p:nvSpPr>
+        <p:spPr>
+          <a:xfrm>
+            <a:off x="1865448" y="1144179"/>
+            <a:ext cx="55567" cy="3265506"/>
+          </a:xfrm>
+          <a:prstGeom prst="rect">
+            <a:avLst/>
+          </a:prstGeom>
+        </p:spPr>
+        <p:style>
+          <a:lnRef idx="2">
+            <a:schemeClr val="accent1">
+              <a:shade val="15000"/>
+            </a:schemeClr>
+          </a:lnRef>
+          <a:fillRef idx="1">
+            <a:schemeClr val="accent1"/>
+          </a:fillRef>
+          <a:effectRef idx="0">
+            <a:schemeClr val="accent1"/>
+          </a:effectRef>
+          <a:fontRef idx="minor">
+            <a:schemeClr val="lt1"/>
+          </a:fontRef>
+        </p:style>
+        <p:txBody>
+          <a:bodyPr rtlCol="0" anchor="ctr"/>
+          <a:lstStyle/>
+          <a:p>
+            <a:pPr algn="ctr"/>
+            <a:endParaRPr lang="en-US"/>
+          </a:p>
+        </p:txBody>
+      </p:sp>
+      <p:sp>
+        <p:nvSpPr>
+          <p:cNvPr id="5" name="Rectangle 4">
+            <a:extLst>
+              <a:ext uri="{FF2B5EF4-FFF2-40B4-BE49-F238E27FC236}">
+                <a16:creationId xmlns:a16="http://schemas.microsoft.com/office/drawing/2014/main" id="{C91ECE78-CB41-0CD9-EBCC-EA35621DB5FB}"/>
+              </a:ext>
+            </a:extLst>
+          </p:cNvPr>
+          <p:cNvSpPr/>
+          <p:nvPr/>
+        </p:nvSpPr>
+        <p:spPr>
+          <a:xfrm>
+            <a:off x="3688778" y="1657820"/>
+            <a:ext cx="64976" cy="4198066"/>
+          </a:xfrm>
+          <a:prstGeom prst="rect">
+            <a:avLst/>
+          </a:prstGeom>
+        </p:spPr>
+        <p:style>
+          <a:lnRef idx="2">
+            <a:schemeClr val="accent1">
+              <a:shade val="15000"/>
+            </a:schemeClr>
+          </a:lnRef>
+          <a:fillRef idx="1">
+            <a:schemeClr val="accent1"/>
+          </a:fillRef>
+          <a:effectRef idx="0">
+            <a:schemeClr val="accent1"/>
+          </a:effectRef>
+          <a:fontRef idx="minor">
+            <a:schemeClr val="lt1"/>
+          </a:fontRef>
+        </p:style>
+        <p:txBody>
+          <a:bodyPr rtlCol="0" anchor="ctr"/>
+          <a:lstStyle/>
+          <a:p>
+            <a:pPr algn="ctr"/>
+            <a:endParaRPr lang="en-US"/>
+          </a:p>
+        </p:txBody>
+      </p:sp>
+      <p:sp>
+        <p:nvSpPr>
+          <p:cNvPr id="7" name="Rectangle 6">
+            <a:extLst>
+              <a:ext uri="{FF2B5EF4-FFF2-40B4-BE49-F238E27FC236}">
+                <a16:creationId xmlns:a16="http://schemas.microsoft.com/office/drawing/2014/main" id="{15827D47-265A-242D-36CB-991D6D5F01B7}"/>
+              </a:ext>
+            </a:extLst>
+          </p:cNvPr>
+          <p:cNvSpPr/>
+          <p:nvPr/>
+        </p:nvSpPr>
+        <p:spPr>
+          <a:xfrm>
+            <a:off x="6258950" y="5208610"/>
+            <a:ext cx="64976" cy="4198066"/>
+          </a:xfrm>
+          <a:prstGeom prst="rect">
+            <a:avLst/>
+          </a:prstGeom>
+        </p:spPr>
+        <p:style>
+          <a:lnRef idx="2">
+            <a:schemeClr val="accent1">
+              <a:shade val="15000"/>
+            </a:schemeClr>
+          </a:lnRef>
+          <a:fillRef idx="1">
+            <a:schemeClr val="accent1"/>
+          </a:fillRef>
+          <a:effectRef idx="0">
+            <a:schemeClr val="accent1"/>
+          </a:effectRef>
+          <a:fontRef idx="minor">
+            <a:schemeClr val="lt1"/>
+          </a:fontRef>
+        </p:style>
+        <p:txBody>
+          <a:bodyPr rtlCol="0" anchor="ctr"/>
+          <a:lstStyle/>
+          <a:p>
+            <a:pPr algn="ctr"/>
+            <a:endParaRPr lang="en-US"/>
+          </a:p>
+        </p:txBody>
+      </p:sp>
+      <p:sp>
+        <p:nvSpPr>
+          <p:cNvPr id="8" name="Rectangle 7">
+            <a:extLst>
+              <a:ext uri="{FF2B5EF4-FFF2-40B4-BE49-F238E27FC236}">
+                <a16:creationId xmlns:a16="http://schemas.microsoft.com/office/drawing/2014/main" id="{3884AB95-3A19-92B3-7AD4-784149F93A21}"/>
+              </a:ext>
+            </a:extLst>
+          </p:cNvPr>
+          <p:cNvSpPr/>
+          <p:nvPr/>
+        </p:nvSpPr>
+        <p:spPr>
+          <a:xfrm>
+            <a:off x="7252537" y="3467421"/>
+            <a:ext cx="45719" cy="1498839"/>
+          </a:xfrm>
+          <a:prstGeom prst="rect">
+            <a:avLst/>
+          </a:prstGeom>
+        </p:spPr>
+        <p:style>
+          <a:lnRef idx="2">
+            <a:schemeClr val="accent1">
+              <a:shade val="15000"/>
+            </a:schemeClr>
+          </a:lnRef>
+          <a:fillRef idx="1">
+            <a:schemeClr val="accent1"/>
+          </a:fillRef>
+          <a:effectRef idx="0">
+            <a:schemeClr val="accent1"/>
+          </a:effectRef>
+          <a:fontRef idx="minor">
+            <a:schemeClr val="lt1"/>
+          </a:fontRef>
+        </p:style>
+        <p:txBody>
+          <a:bodyPr rtlCol="0" anchor="ctr"/>
+          <a:lstStyle/>
+          <a:p>
+            <a:pPr algn="ctr"/>
+            <a:endParaRPr lang="en-US"/>
+          </a:p>
+        </p:txBody>
+      </p:sp>
+      <p:sp>
+        <p:nvSpPr>
+          <p:cNvPr id="11" name="Rectangle 10">
+            <a:extLst>
+              <a:ext uri="{FF2B5EF4-FFF2-40B4-BE49-F238E27FC236}">
+                <a16:creationId xmlns:a16="http://schemas.microsoft.com/office/drawing/2014/main" id="{DEE99033-C37B-39C0-4391-7468CC8CA6F3}"/>
+              </a:ext>
+            </a:extLst>
+          </p:cNvPr>
+          <p:cNvSpPr/>
+          <p:nvPr/>
+        </p:nvSpPr>
+        <p:spPr>
+          <a:xfrm>
+            <a:off x="8184036" y="4734167"/>
+            <a:ext cx="81585" cy="232093"/>
+          </a:xfrm>
+          <a:prstGeom prst="rect">
+            <a:avLst/>
+          </a:prstGeom>
+        </p:spPr>
+        <p:style>
+          <a:lnRef idx="2">
+            <a:schemeClr val="accent1">
+              <a:shade val="15000"/>
+            </a:schemeClr>
+          </a:lnRef>
+          <a:fillRef idx="1">
+            <a:schemeClr val="accent1"/>
+          </a:fillRef>
+          <a:effectRef idx="0">
+            <a:schemeClr val="accent1"/>
+          </a:effectRef>
+          <a:fontRef idx="minor">
+            <a:schemeClr val="lt1"/>
+          </a:fontRef>
+        </p:style>
+        <p:txBody>
+          <a:bodyPr rtlCol="0" anchor="ctr"/>
+          <a:lstStyle/>
+          <a:p>
+            <a:pPr algn="ctr"/>
+            <a:endParaRPr lang="en-US"/>
+          </a:p>
+        </p:txBody>
+      </p:sp>
+      <p:sp>
+        <p:nvSpPr>
+          <p:cNvPr id="12" name="Rectangle 11">
+            <a:extLst>
+              <a:ext uri="{FF2B5EF4-FFF2-40B4-BE49-F238E27FC236}">
+                <a16:creationId xmlns:a16="http://schemas.microsoft.com/office/drawing/2014/main" id="{44C15FCF-CD04-A102-2B99-C33B566DD602}"/>
+              </a:ext>
+            </a:extLst>
+          </p:cNvPr>
+          <p:cNvSpPr/>
+          <p:nvPr/>
+        </p:nvSpPr>
+        <p:spPr>
+          <a:xfrm>
+            <a:off x="11526601" y="2533721"/>
+            <a:ext cx="50052" cy="335475"/>
+          </a:xfrm>
+          <a:prstGeom prst="rect">
+            <a:avLst/>
+          </a:prstGeom>
+        </p:spPr>
+        <p:style>
+          <a:lnRef idx="2">
+            <a:schemeClr val="accent1">
+              <a:shade val="15000"/>
+            </a:schemeClr>
+          </a:lnRef>
+          <a:fillRef idx="1">
+            <a:schemeClr val="accent1"/>
+          </a:fillRef>
+          <a:effectRef idx="0">
+            <a:schemeClr val="accent1"/>
+          </a:effectRef>
+          <a:fontRef idx="minor">
+            <a:schemeClr val="lt1"/>
+          </a:fontRef>
+        </p:style>
+        <p:txBody>
+          <a:bodyPr rtlCol="0" anchor="ctr"/>
+          <a:lstStyle/>
+          <a:p>
+            <a:pPr algn="ctr"/>
+            <a:endParaRPr lang="en-US"/>
+          </a:p>
+        </p:txBody>
+      </p:sp>
+      <p:sp>
+        <p:nvSpPr>
+          <p:cNvPr id="13" name="Rectangle 12">
+            <a:extLst>
+              <a:ext uri="{FF2B5EF4-FFF2-40B4-BE49-F238E27FC236}">
+                <a16:creationId xmlns:a16="http://schemas.microsoft.com/office/drawing/2014/main" id="{194AAA0B-E1FE-9C94-EEBF-E9D16F04B5AA}"/>
+              </a:ext>
+            </a:extLst>
+          </p:cNvPr>
+          <p:cNvSpPr/>
+          <p:nvPr/>
+        </p:nvSpPr>
+        <p:spPr>
+          <a:xfrm>
+            <a:off x="11527022" y="5677090"/>
+            <a:ext cx="62347" cy="178795"/>
+          </a:xfrm>
+          <a:prstGeom prst="rect">
+            <a:avLst/>
+          </a:prstGeom>
+        </p:spPr>
+        <p:style>
+          <a:lnRef idx="2">
+            <a:schemeClr val="accent1">
+              <a:shade val="15000"/>
+            </a:schemeClr>
+          </a:lnRef>
+          <a:fillRef idx="1">
+            <a:schemeClr val="accent1"/>
+          </a:fillRef>
+          <a:effectRef idx="0">
+            <a:schemeClr val="accent1"/>
+          </a:effectRef>
+          <a:fontRef idx="minor">
+            <a:schemeClr val="lt1"/>
+          </a:fontRef>
+        </p:style>
+        <p:txBody>
+          <a:bodyPr rtlCol="0" anchor="ctr"/>
+          <a:lstStyle/>
+          <a:p>
+            <a:pPr algn="ctr"/>
+            <a:endParaRPr lang="en-US"/>
+          </a:p>
+        </p:txBody>
+      </p:sp>
+      <p:cxnSp>
+        <p:nvCxnSpPr>
+          <p:cNvPr id="113" name="Straight Arrow Connector 112">
+            <a:extLst>
+              <a:ext uri="{FF2B5EF4-FFF2-40B4-BE49-F238E27FC236}">
+                <a16:creationId xmlns:a16="http://schemas.microsoft.com/office/drawing/2014/main" id="{7090A5F1-6500-02B9-5880-1111F178C690}"/>
+              </a:ext>
+            </a:extLst>
+          </p:cNvPr>
+          <p:cNvCxnSpPr/>
+          <p:nvPr/>
+        </p:nvCxnSpPr>
+        <p:spPr>
+          <a:xfrm>
+            <a:off x="583146" y="6218263"/>
+            <a:ext cx="1337869" cy="0"/>
+          </a:xfrm>
+          <a:prstGeom prst="straightConnector1">
+            <a:avLst/>
+          </a:prstGeom>
+          <a:ln>
+            <a:tailEnd type="triangle"/>
+          </a:ln>
+        </p:spPr>
+        <p:style>
+          <a:lnRef idx="2">
+            <a:schemeClr val="accent1"/>
+          </a:lnRef>
+          <a:fillRef idx="0">
+            <a:schemeClr val="accent1"/>
+          </a:fillRef>
+          <a:effectRef idx="1">
+            <a:schemeClr val="accent1"/>
+          </a:effectRef>
+          <a:fontRef idx="minor">
+            <a:schemeClr val="tx1"/>
+          </a:fontRef>
+        </p:style>
+      </p:cxnSp>
+      <p:sp>
+        <p:nvSpPr>
+          <p:cNvPr id="116" name="TextBox 115">
+            <a:extLst>
+              <a:ext uri="{FF2B5EF4-FFF2-40B4-BE49-F238E27FC236}">
+                <a16:creationId xmlns:a16="http://schemas.microsoft.com/office/drawing/2014/main" id="{C115B5B8-9BE5-97E7-EE9C-3A0A42D9B93B}"/>
+              </a:ext>
+            </a:extLst>
+          </p:cNvPr>
+          <p:cNvSpPr txBox="1"/>
+          <p:nvPr/>
+        </p:nvSpPr>
+        <p:spPr>
+          <a:xfrm>
+            <a:off x="545285" y="5960490"/>
+            <a:ext cx="1367682" cy="246221"/>
+          </a:xfrm>
+          <a:prstGeom prst="rect">
+            <a:avLst/>
+          </a:prstGeom>
+          <a:noFill/>
+        </p:spPr>
+        <p:txBody>
+          <a:bodyPr wrap="none" rtlCol="0">
+            <a:spAutoFit/>
+          </a:bodyPr>
+          <a:lstStyle/>
+          <a:p>
+            <a:r>
+              <a:rPr lang="vi-VN" sz="1000">
+                <a:latin typeface="Times New Roman" panose="02020603050405020304" pitchFamily="18" charset="0"/>
+                <a:cs typeface="Times New Roman" panose="02020603050405020304" pitchFamily="18" charset="0"/>
+              </a:rPr>
+              <a:t>Ấn hủy tham gia nhóm</a:t>
+            </a:r>
+            <a:endParaRPr lang="en-US" sz="1000" dirty="0">
+              <a:latin typeface="Times New Roman" panose="02020603050405020304" pitchFamily="18" charset="0"/>
+              <a:cs typeface="Times New Roman" panose="02020603050405020304" pitchFamily="18" charset="0"/>
+            </a:endParaRPr>
+          </a:p>
+        </p:txBody>
+      </p:sp>
+      <p:sp>
+        <p:nvSpPr>
+          <p:cNvPr id="118" name="Rectangle 117">
+            <a:extLst>
+              <a:ext uri="{FF2B5EF4-FFF2-40B4-BE49-F238E27FC236}">
+                <a16:creationId xmlns:a16="http://schemas.microsoft.com/office/drawing/2014/main" id="{56819CC3-1E65-E3FD-6BC8-83CC10A0C7BB}"/>
+              </a:ext>
+            </a:extLst>
+          </p:cNvPr>
+          <p:cNvSpPr/>
+          <p:nvPr/>
+        </p:nvSpPr>
+        <p:spPr>
+          <a:xfrm>
+            <a:off x="95132" y="5855886"/>
+            <a:ext cx="11842400" cy="876524"/>
+          </a:xfrm>
+          <a:prstGeom prst="rect">
+            <a:avLst/>
+          </a:prstGeom>
+          <a:noFill/>
+        </p:spPr>
+        <p:style>
+          <a:lnRef idx="2">
+            <a:schemeClr val="accent1">
+              <a:shade val="15000"/>
+            </a:schemeClr>
+          </a:lnRef>
+          <a:fillRef idx="1">
+            <a:schemeClr val="accent1"/>
+          </a:fillRef>
+          <a:effectRef idx="0">
+            <a:schemeClr val="accent1"/>
+          </a:effectRef>
+          <a:fontRef idx="minor">
+            <a:schemeClr val="lt1"/>
+          </a:fontRef>
+        </p:style>
+        <p:txBody>
+          <a:bodyPr rtlCol="0" anchor="ctr"/>
+          <a:lstStyle/>
+          <a:p>
+            <a:pPr algn="ctr"/>
+            <a:endParaRPr lang="en-US"/>
+          </a:p>
+        </p:txBody>
+      </p:sp>
+      <p:sp>
+        <p:nvSpPr>
+          <p:cNvPr id="119" name="Rectangle: Single Corner Snipped 118">
+            <a:extLst>
+              <a:ext uri="{FF2B5EF4-FFF2-40B4-BE49-F238E27FC236}">
+                <a16:creationId xmlns:a16="http://schemas.microsoft.com/office/drawing/2014/main" id="{FD19BB26-A42D-8937-FCA4-B07221037378}"/>
+              </a:ext>
+            </a:extLst>
+          </p:cNvPr>
+          <p:cNvSpPr/>
+          <p:nvPr/>
+        </p:nvSpPr>
+        <p:spPr>
+          <a:xfrm>
+            <a:off x="56461" y="5841731"/>
+            <a:ext cx="552791" cy="246218"/>
+          </a:xfrm>
+          <a:prstGeom prst="snip1Rect">
+            <a:avLst>
+              <a:gd name="adj" fmla="val 20074"/>
+            </a:avLst>
+          </a:prstGeom>
+          <a:solidFill>
+            <a:schemeClr val="bg2">
+              <a:lumMod val="90000"/>
+            </a:schemeClr>
+          </a:solidFill>
+        </p:spPr>
+        <p:style>
+          <a:lnRef idx="2">
+            <a:schemeClr val="accent6"/>
+          </a:lnRef>
+          <a:fillRef idx="1">
+            <a:schemeClr val="lt1"/>
+          </a:fillRef>
+          <a:effectRef idx="0">
+            <a:schemeClr val="accent6"/>
+          </a:effectRef>
+          <a:fontRef idx="minor">
+            <a:schemeClr val="dk1"/>
+          </a:fontRef>
+        </p:style>
+        <p:txBody>
+          <a:bodyPr rtlCol="0" anchor="ctr"/>
+          <a:lstStyle/>
+          <a:p>
+            <a:pPr algn="ctr"/>
+            <a:r>
+              <a:rPr lang="vi-VN" sz="1200" dirty="0">
+                <a:latin typeface="Times New Roman" panose="02020603050405020304" pitchFamily="18" charset="0"/>
+                <a:cs typeface="Times New Roman" panose="02020603050405020304" pitchFamily="18" charset="0"/>
+              </a:rPr>
+              <a:t>opt</a:t>
+            </a:r>
+            <a:endParaRPr lang="en-US" sz="1200" dirty="0">
+              <a:latin typeface="Times New Roman" panose="02020603050405020304" pitchFamily="18" charset="0"/>
+              <a:cs typeface="Times New Roman" panose="02020603050405020304" pitchFamily="18" charset="0"/>
+            </a:endParaRPr>
+          </a:p>
+        </p:txBody>
+      </p:sp>
+      <p:sp>
+        <p:nvSpPr>
+          <p:cNvPr id="120" name="TextBox 119">
+            <a:extLst>
+              <a:ext uri="{FF2B5EF4-FFF2-40B4-BE49-F238E27FC236}">
+                <a16:creationId xmlns:a16="http://schemas.microsoft.com/office/drawing/2014/main" id="{D9FE0497-8320-AF2D-85C1-93EEAC5575E1}"/>
+              </a:ext>
+            </a:extLst>
+          </p:cNvPr>
+          <p:cNvSpPr txBox="1"/>
+          <p:nvPr/>
+        </p:nvSpPr>
+        <p:spPr>
+          <a:xfrm>
+            <a:off x="572092" y="5811164"/>
+            <a:ext cx="1293944" cy="246221"/>
+          </a:xfrm>
+          <a:prstGeom prst="rect">
+            <a:avLst/>
+          </a:prstGeom>
+          <a:noFill/>
+        </p:spPr>
+        <p:txBody>
+          <a:bodyPr wrap="none" rtlCol="0">
+            <a:spAutoFit/>
+          </a:bodyPr>
+          <a:lstStyle/>
+          <a:p>
+            <a:r>
+              <a:rPr lang="vi-VN" sz="1000" dirty="0">
+                <a:latin typeface="Times New Roman" panose="02020603050405020304" pitchFamily="18" charset="0"/>
+                <a:cs typeface="Times New Roman" panose="02020603050405020304" pitchFamily="18" charset="0"/>
+              </a:rPr>
+              <a:t>[Hủy tham gia nhóm]</a:t>
+            </a:r>
+            <a:endParaRPr lang="en-US" sz="1000" dirty="0">
+              <a:latin typeface="Times New Roman" panose="02020603050405020304" pitchFamily="18" charset="0"/>
+              <a:cs typeface="Times New Roman" panose="02020603050405020304" pitchFamily="18" charset="0"/>
+            </a:endParaRPr>
+          </a:p>
+        </p:txBody>
+      </p:sp>
+      <p:sp>
+        <p:nvSpPr>
+          <p:cNvPr id="121" name="Rectangle 120">
+            <a:extLst>
+              <a:ext uri="{FF2B5EF4-FFF2-40B4-BE49-F238E27FC236}">
+                <a16:creationId xmlns:a16="http://schemas.microsoft.com/office/drawing/2014/main" id="{ECAED908-DF1B-00C6-8596-8C586A66B162}"/>
+              </a:ext>
+            </a:extLst>
+          </p:cNvPr>
+          <p:cNvSpPr/>
+          <p:nvPr/>
+        </p:nvSpPr>
+        <p:spPr>
+          <a:xfrm>
+            <a:off x="1901486" y="6055008"/>
+            <a:ext cx="63232" cy="611671"/>
+          </a:xfrm>
+          <a:prstGeom prst="rect">
+            <a:avLst/>
+          </a:prstGeom>
+        </p:spPr>
+        <p:style>
+          <a:lnRef idx="2">
+            <a:schemeClr val="accent1">
+              <a:shade val="15000"/>
+            </a:schemeClr>
+          </a:lnRef>
+          <a:fillRef idx="1">
+            <a:schemeClr val="accent1"/>
+          </a:fillRef>
+          <a:effectRef idx="0">
+            <a:schemeClr val="accent1"/>
+          </a:effectRef>
+          <a:fontRef idx="minor">
+            <a:schemeClr val="lt1"/>
+          </a:fontRef>
+        </p:style>
+        <p:txBody>
+          <a:bodyPr rtlCol="0" anchor="ctr"/>
+          <a:lstStyle/>
+          <a:p>
+            <a:pPr algn="ctr"/>
+            <a:endParaRPr lang="en-US"/>
+          </a:p>
+        </p:txBody>
+      </p:sp>
+      <p:cxnSp>
+        <p:nvCxnSpPr>
+          <p:cNvPr id="122" name="Straight Arrow Connector 121">
+            <a:extLst>
+              <a:ext uri="{FF2B5EF4-FFF2-40B4-BE49-F238E27FC236}">
+                <a16:creationId xmlns:a16="http://schemas.microsoft.com/office/drawing/2014/main" id="{DB949C63-5CF4-3B36-A48E-313916C25231}"/>
+              </a:ext>
+            </a:extLst>
+          </p:cNvPr>
+          <p:cNvCxnSpPr>
+            <a:cxnSpLocks/>
+          </p:cNvCxnSpPr>
+          <p:nvPr/>
+        </p:nvCxnSpPr>
+        <p:spPr>
+          <a:xfrm>
+            <a:off x="1970056" y="6436754"/>
+            <a:ext cx="1795146" cy="0"/>
+          </a:xfrm>
+          <a:prstGeom prst="straightConnector1">
+            <a:avLst/>
+          </a:prstGeom>
+          <a:ln>
+            <a:tailEnd type="triangle"/>
+          </a:ln>
+        </p:spPr>
+        <p:style>
+          <a:lnRef idx="2">
+            <a:schemeClr val="accent1"/>
+          </a:lnRef>
+          <a:fillRef idx="0">
+            <a:schemeClr val="accent1"/>
+          </a:fillRef>
+          <a:effectRef idx="1">
+            <a:schemeClr val="accent1"/>
+          </a:effectRef>
+          <a:fontRef idx="minor">
+            <a:schemeClr val="tx1"/>
+          </a:fontRef>
+        </p:style>
+      </p:cxnSp>
+      <p:sp>
+        <p:nvSpPr>
+          <p:cNvPr id="123" name="TextBox 122">
+            <a:extLst>
+              <a:ext uri="{FF2B5EF4-FFF2-40B4-BE49-F238E27FC236}">
+                <a16:creationId xmlns:a16="http://schemas.microsoft.com/office/drawing/2014/main" id="{691DFFD1-575A-4CC6-1A01-A423968B3160}"/>
+              </a:ext>
+            </a:extLst>
+          </p:cNvPr>
+          <p:cNvSpPr txBox="1"/>
+          <p:nvPr/>
+        </p:nvSpPr>
+        <p:spPr>
+          <a:xfrm>
+            <a:off x="1902980" y="6192743"/>
+            <a:ext cx="2021707" cy="246221"/>
+          </a:xfrm>
+          <a:prstGeom prst="rect">
+            <a:avLst/>
+          </a:prstGeom>
+          <a:noFill/>
+        </p:spPr>
+        <p:txBody>
+          <a:bodyPr wrap="none" rtlCol="0">
+            <a:spAutoFit/>
+          </a:bodyPr>
+          <a:lstStyle/>
+          <a:p>
+            <a:r>
+              <a:rPr lang="vi-VN" sz="1000" dirty="0">
+                <a:latin typeface="Times New Roman" panose="02020603050405020304" pitchFamily="18" charset="0"/>
+                <a:cs typeface="Times New Roman" panose="02020603050405020304" pitchFamily="18" charset="0"/>
+              </a:rPr>
+              <a:t>cancelJoinRequest(userId, groupId)</a:t>
+            </a:r>
+            <a:endParaRPr lang="en-US" sz="1000" dirty="0">
+              <a:latin typeface="Times New Roman" panose="02020603050405020304" pitchFamily="18" charset="0"/>
+              <a:cs typeface="Times New Roman" panose="02020603050405020304" pitchFamily="18" charset="0"/>
+            </a:endParaRPr>
+          </a:p>
+        </p:txBody>
+      </p:sp>
+      <p:sp>
+        <p:nvSpPr>
+          <p:cNvPr id="124" name="Rectangle 123">
+            <a:extLst>
+              <a:ext uri="{FF2B5EF4-FFF2-40B4-BE49-F238E27FC236}">
+                <a16:creationId xmlns:a16="http://schemas.microsoft.com/office/drawing/2014/main" id="{CC6B3883-2317-A814-66A9-1C432C607D01}"/>
+              </a:ext>
+            </a:extLst>
+          </p:cNvPr>
+          <p:cNvSpPr/>
+          <p:nvPr/>
+        </p:nvSpPr>
+        <p:spPr>
+          <a:xfrm>
+            <a:off x="3740950" y="6396688"/>
+            <a:ext cx="81585" cy="232093"/>
+          </a:xfrm>
+          <a:prstGeom prst="rect">
+            <a:avLst/>
+          </a:prstGeom>
+        </p:spPr>
+        <p:style>
+          <a:lnRef idx="2">
+            <a:schemeClr val="accent1">
+              <a:shade val="15000"/>
+            </a:schemeClr>
+          </a:lnRef>
+          <a:fillRef idx="1">
+            <a:schemeClr val="accent1"/>
+          </a:fillRef>
+          <a:effectRef idx="0">
+            <a:schemeClr val="accent1"/>
+          </a:effectRef>
+          <a:fontRef idx="minor">
+            <a:schemeClr val="lt1"/>
+          </a:fontRef>
+        </p:style>
+        <p:txBody>
+          <a:bodyPr rtlCol="0" anchor="ctr"/>
+          <a:lstStyle/>
+          <a:p>
+            <a:pPr algn="ctr"/>
+            <a:endParaRPr lang="en-US"/>
+          </a:p>
+        </p:txBody>
+      </p:sp>
+      <p:cxnSp>
+        <p:nvCxnSpPr>
+          <p:cNvPr id="125" name="Straight Arrow Connector 124">
+            <a:extLst>
+              <a:ext uri="{FF2B5EF4-FFF2-40B4-BE49-F238E27FC236}">
+                <a16:creationId xmlns:a16="http://schemas.microsoft.com/office/drawing/2014/main" id="{53819423-2B33-7A76-CFE3-4457B77027D7}"/>
+              </a:ext>
+            </a:extLst>
+          </p:cNvPr>
+          <p:cNvCxnSpPr>
+            <a:cxnSpLocks/>
+          </p:cNvCxnSpPr>
+          <p:nvPr/>
+        </p:nvCxnSpPr>
+        <p:spPr>
+          <a:xfrm>
+            <a:off x="3811851" y="6539527"/>
+            <a:ext cx="2433436" cy="0"/>
+          </a:xfrm>
+          <a:prstGeom prst="straightConnector1">
+            <a:avLst/>
+          </a:prstGeom>
+          <a:ln>
+            <a:tailEnd type="triangle"/>
+          </a:ln>
+        </p:spPr>
+        <p:style>
+          <a:lnRef idx="2">
+            <a:schemeClr val="accent1"/>
+          </a:lnRef>
+          <a:fillRef idx="0">
+            <a:schemeClr val="accent1"/>
+          </a:fillRef>
+          <a:effectRef idx="1">
+            <a:schemeClr val="accent1"/>
+          </a:effectRef>
+          <a:fontRef idx="minor">
+            <a:schemeClr val="tx1"/>
+          </a:fontRef>
+        </p:style>
+      </p:cxnSp>
+      <p:sp>
+        <p:nvSpPr>
+          <p:cNvPr id="128" name="TextBox 127">
+            <a:extLst>
+              <a:ext uri="{FF2B5EF4-FFF2-40B4-BE49-F238E27FC236}">
+                <a16:creationId xmlns:a16="http://schemas.microsoft.com/office/drawing/2014/main" id="{D02B0EC8-CBF3-39A1-0687-A984AC4C06AD}"/>
+              </a:ext>
+            </a:extLst>
+          </p:cNvPr>
+          <p:cNvSpPr txBox="1"/>
+          <p:nvPr/>
+        </p:nvSpPr>
+        <p:spPr>
+          <a:xfrm>
+            <a:off x="3938207" y="6286439"/>
+            <a:ext cx="1447832" cy="246221"/>
+          </a:xfrm>
+          <a:prstGeom prst="rect">
+            <a:avLst/>
+          </a:prstGeom>
+          <a:noFill/>
+        </p:spPr>
+        <p:txBody>
+          <a:bodyPr wrap="none" rtlCol="0">
+            <a:spAutoFit/>
+          </a:bodyPr>
+          <a:lstStyle/>
+          <a:p>
+            <a:r>
+              <a:rPr lang="vi-VN" sz="1000" dirty="0">
+                <a:latin typeface="Times New Roman" panose="02020603050405020304" pitchFamily="18" charset="0"/>
+                <a:cs typeface="Times New Roman" panose="02020603050405020304" pitchFamily="18" charset="0"/>
+              </a:rPr>
+              <a:t>Thực hiện hủy : cancel()</a:t>
+            </a:r>
+            <a:endParaRPr lang="en-US" sz="1000" dirty="0">
+              <a:latin typeface="Times New Roman" panose="02020603050405020304" pitchFamily="18" charset="0"/>
+              <a:cs typeface="Times New Roman" panose="02020603050405020304" pitchFamily="18" charset="0"/>
+            </a:endParaRPr>
+          </a:p>
+        </p:txBody>
+      </p:sp>
+      <p:cxnSp>
+        <p:nvCxnSpPr>
+          <p:cNvPr id="129" name="Straight Arrow Connector 128">
+            <a:extLst>
+              <a:ext uri="{FF2B5EF4-FFF2-40B4-BE49-F238E27FC236}">
+                <a16:creationId xmlns:a16="http://schemas.microsoft.com/office/drawing/2014/main" id="{0DBFFAD0-AA7B-B64E-7532-EB50985C988B}"/>
+              </a:ext>
+            </a:extLst>
+          </p:cNvPr>
+          <p:cNvCxnSpPr>
+            <a:cxnSpLocks/>
+          </p:cNvCxnSpPr>
+          <p:nvPr/>
+        </p:nvCxnSpPr>
+        <p:spPr>
+          <a:xfrm>
+            <a:off x="6305111" y="6601191"/>
+            <a:ext cx="5284258" cy="0"/>
+          </a:xfrm>
+          <a:prstGeom prst="straightConnector1">
+            <a:avLst/>
+          </a:prstGeom>
+          <a:ln>
+            <a:headEnd type="none"/>
+            <a:tailEnd type="arrow"/>
+          </a:ln>
+        </p:spPr>
+        <p:style>
+          <a:lnRef idx="2">
+            <a:schemeClr val="accent1"/>
+          </a:lnRef>
+          <a:fillRef idx="0">
+            <a:schemeClr val="accent1"/>
+          </a:fillRef>
+          <a:effectRef idx="1">
+            <a:schemeClr val="accent1"/>
+          </a:effectRef>
+          <a:fontRef idx="minor">
+            <a:schemeClr val="tx1"/>
+          </a:fontRef>
+        </p:style>
+      </p:cxnSp>
+      <p:sp>
+        <p:nvSpPr>
+          <p:cNvPr id="131" name="Rectangle 130">
+            <a:extLst>
+              <a:ext uri="{FF2B5EF4-FFF2-40B4-BE49-F238E27FC236}">
+                <a16:creationId xmlns:a16="http://schemas.microsoft.com/office/drawing/2014/main" id="{90C262D0-18EE-457A-22F7-225ACD62FBC4}"/>
+              </a:ext>
+            </a:extLst>
+          </p:cNvPr>
+          <p:cNvSpPr/>
+          <p:nvPr/>
+        </p:nvSpPr>
+        <p:spPr>
+          <a:xfrm>
+            <a:off x="11577235" y="6535849"/>
+            <a:ext cx="62347" cy="178795"/>
+          </a:xfrm>
+          <a:prstGeom prst="rect">
+            <a:avLst/>
+          </a:prstGeom>
+        </p:spPr>
+        <p:style>
+          <a:lnRef idx="2">
+            <a:schemeClr val="accent1">
+              <a:shade val="15000"/>
+            </a:schemeClr>
+          </a:lnRef>
+          <a:fillRef idx="1">
+            <a:schemeClr val="accent1"/>
+          </a:fillRef>
+          <a:effectRef idx="0">
+            <a:schemeClr val="accent1"/>
+          </a:effectRef>
+          <a:fontRef idx="minor">
+            <a:schemeClr val="lt1"/>
+          </a:fontRef>
+        </p:style>
+        <p:txBody>
+          <a:bodyPr rtlCol="0" anchor="ctr"/>
+          <a:lstStyle/>
+          <a:p>
+            <a:pPr algn="ctr"/>
+            <a:endParaRPr lang="en-US"/>
+          </a:p>
+        </p:txBody>
+      </p:sp>
+      <p:sp>
+        <p:nvSpPr>
+          <p:cNvPr id="132" name="TextBox 131">
+            <a:extLst>
+              <a:ext uri="{FF2B5EF4-FFF2-40B4-BE49-F238E27FC236}">
+                <a16:creationId xmlns:a16="http://schemas.microsoft.com/office/drawing/2014/main" id="{C9EAF711-8CFB-6D29-189E-5C6EBAE4619C}"/>
+              </a:ext>
+            </a:extLst>
+          </p:cNvPr>
+          <p:cNvSpPr txBox="1"/>
+          <p:nvPr/>
+        </p:nvSpPr>
+        <p:spPr>
+          <a:xfrm>
+            <a:off x="7235231" y="6315359"/>
+            <a:ext cx="1986441" cy="246221"/>
+          </a:xfrm>
+          <a:prstGeom prst="rect">
+            <a:avLst/>
+          </a:prstGeom>
+          <a:noFill/>
+        </p:spPr>
+        <p:txBody>
+          <a:bodyPr wrap="none" rtlCol="0">
+            <a:spAutoFit/>
+          </a:bodyPr>
+          <a:lstStyle/>
+          <a:p>
+            <a:r>
+              <a:rPr lang="vi-VN" sz="1000" dirty="0">
+                <a:latin typeface="Times New Roman" panose="02020603050405020304" pitchFamily="18" charset="0"/>
+                <a:cs typeface="Times New Roman" panose="02020603050405020304" pitchFamily="18" charset="0"/>
+              </a:rPr>
+              <a:t>send(user, "Yêu cầu đã được hủy")</a:t>
             </a:r>
             <a:endParaRPr lang="en-US" sz="1000" dirty="0">
               <a:latin typeface="Times New Roman" panose="02020603050405020304" pitchFamily="18" charset="0"/>
@@ -9141,6 +10083,232 @@
                 <a:cs typeface="Times New Roman" panose="02020603050405020304" pitchFamily="18" charset="0"/>
               </a:rPr>
               <a:t>[Không phản hồi]</a:t>
+            </a:r>
+            <a:endParaRPr lang="en-US" sz="1000" dirty="0">
+              <a:latin typeface="Times New Roman" panose="02020603050405020304" pitchFamily="18" charset="0"/>
+              <a:cs typeface="Times New Roman" panose="02020603050405020304" pitchFamily="18" charset="0"/>
+            </a:endParaRPr>
+          </a:p>
+        </p:txBody>
+      </p:sp>
+      <p:sp>
+        <p:nvSpPr>
+          <p:cNvPr id="2" name="Rectangle 1">
+            <a:extLst>
+              <a:ext uri="{FF2B5EF4-FFF2-40B4-BE49-F238E27FC236}">
+                <a16:creationId xmlns:a16="http://schemas.microsoft.com/office/drawing/2014/main" id="{44B5CAFB-F3EB-E909-8E72-1B295F0652DD}"/>
+              </a:ext>
+            </a:extLst>
+          </p:cNvPr>
+          <p:cNvSpPr/>
+          <p:nvPr/>
+        </p:nvSpPr>
+        <p:spPr>
+          <a:xfrm>
+            <a:off x="6292015" y="1231390"/>
+            <a:ext cx="61815" cy="4440741"/>
+          </a:xfrm>
+          <a:prstGeom prst="rect">
+            <a:avLst/>
+          </a:prstGeom>
+        </p:spPr>
+        <p:style>
+          <a:lnRef idx="2">
+            <a:schemeClr val="accent1">
+              <a:shade val="15000"/>
+            </a:schemeClr>
+          </a:lnRef>
+          <a:fillRef idx="1">
+            <a:schemeClr val="accent1"/>
+          </a:fillRef>
+          <a:effectRef idx="0">
+            <a:schemeClr val="accent1"/>
+          </a:effectRef>
+          <a:fontRef idx="minor">
+            <a:schemeClr val="lt1"/>
+          </a:fontRef>
+        </p:style>
+        <p:txBody>
+          <a:bodyPr rtlCol="0" anchor="ctr"/>
+          <a:lstStyle/>
+          <a:p>
+            <a:pPr algn="ctr"/>
+            <a:endParaRPr lang="en-US"/>
+          </a:p>
+        </p:txBody>
+      </p:sp>
+      <p:sp>
+        <p:nvSpPr>
+          <p:cNvPr id="3" name="Rectangle 2">
+            <a:extLst>
+              <a:ext uri="{FF2B5EF4-FFF2-40B4-BE49-F238E27FC236}">
+                <a16:creationId xmlns:a16="http://schemas.microsoft.com/office/drawing/2014/main" id="{B25999E9-A2E4-04F8-37FA-4C02251CFBA3}"/>
+              </a:ext>
+            </a:extLst>
+          </p:cNvPr>
+          <p:cNvSpPr/>
+          <p:nvPr/>
+        </p:nvSpPr>
+        <p:spPr>
+          <a:xfrm>
+            <a:off x="9296635" y="1882615"/>
+            <a:ext cx="77968" cy="4116108"/>
+          </a:xfrm>
+          <a:prstGeom prst="rect">
+            <a:avLst/>
+          </a:prstGeom>
+        </p:spPr>
+        <p:style>
+          <a:lnRef idx="2">
+            <a:schemeClr val="accent1">
+              <a:shade val="15000"/>
+            </a:schemeClr>
+          </a:lnRef>
+          <a:fillRef idx="1">
+            <a:schemeClr val="accent1"/>
+          </a:fillRef>
+          <a:effectRef idx="0">
+            <a:schemeClr val="accent1"/>
+          </a:effectRef>
+          <a:fontRef idx="minor">
+            <a:schemeClr val="lt1"/>
+          </a:fontRef>
+        </p:style>
+        <p:txBody>
+          <a:bodyPr rtlCol="0" anchor="ctr"/>
+          <a:lstStyle/>
+          <a:p>
+            <a:pPr algn="ctr"/>
+            <a:endParaRPr lang="en-US"/>
+          </a:p>
+        </p:txBody>
+      </p:sp>
+      <p:sp>
+        <p:nvSpPr>
+          <p:cNvPr id="5" name="Rectangle 4">
+            <a:extLst>
+              <a:ext uri="{FF2B5EF4-FFF2-40B4-BE49-F238E27FC236}">
+                <a16:creationId xmlns:a16="http://schemas.microsoft.com/office/drawing/2014/main" id="{1B825C41-BF6B-AE28-D7DF-C5569913074C}"/>
+              </a:ext>
+            </a:extLst>
+          </p:cNvPr>
+          <p:cNvSpPr/>
+          <p:nvPr/>
+        </p:nvSpPr>
+        <p:spPr>
+          <a:xfrm>
+            <a:off x="11595920" y="4527431"/>
+            <a:ext cx="50052" cy="335475"/>
+          </a:xfrm>
+          <a:prstGeom prst="rect">
+            <a:avLst/>
+          </a:prstGeom>
+        </p:spPr>
+        <p:style>
+          <a:lnRef idx="2">
+            <a:schemeClr val="accent1">
+              <a:shade val="15000"/>
+            </a:schemeClr>
+          </a:lnRef>
+          <a:fillRef idx="1">
+            <a:schemeClr val="accent1"/>
+          </a:fillRef>
+          <a:effectRef idx="0">
+            <a:schemeClr val="accent1"/>
+          </a:effectRef>
+          <a:fontRef idx="minor">
+            <a:schemeClr val="lt1"/>
+          </a:fontRef>
+        </p:style>
+        <p:txBody>
+          <a:bodyPr rtlCol="0" anchor="ctr"/>
+          <a:lstStyle/>
+          <a:p>
+            <a:pPr algn="ctr"/>
+            <a:endParaRPr lang="en-US"/>
+          </a:p>
+        </p:txBody>
+      </p:sp>
+      <p:sp>
+        <p:nvSpPr>
+          <p:cNvPr id="17" name="Rectangle 16">
+            <a:extLst>
+              <a:ext uri="{FF2B5EF4-FFF2-40B4-BE49-F238E27FC236}">
+                <a16:creationId xmlns:a16="http://schemas.microsoft.com/office/drawing/2014/main" id="{51C44C94-1A8A-FEBB-224D-ED8B390A6C9B}"/>
+              </a:ext>
+            </a:extLst>
+          </p:cNvPr>
+          <p:cNvSpPr/>
+          <p:nvPr/>
+        </p:nvSpPr>
+        <p:spPr>
+          <a:xfrm>
+            <a:off x="11595920" y="5702965"/>
+            <a:ext cx="50052" cy="335475"/>
+          </a:xfrm>
+          <a:prstGeom prst="rect">
+            <a:avLst/>
+          </a:prstGeom>
+        </p:spPr>
+        <p:style>
+          <a:lnRef idx="2">
+            <a:schemeClr val="accent1">
+              <a:shade val="15000"/>
+            </a:schemeClr>
+          </a:lnRef>
+          <a:fillRef idx="1">
+            <a:schemeClr val="accent1"/>
+          </a:fillRef>
+          <a:effectRef idx="0">
+            <a:schemeClr val="accent1"/>
+          </a:effectRef>
+          <a:fontRef idx="minor">
+            <a:schemeClr val="lt1"/>
+          </a:fontRef>
+        </p:style>
+        <p:txBody>
+          <a:bodyPr rtlCol="0" anchor="ctr"/>
+          <a:lstStyle/>
+          <a:p>
+            <a:pPr algn="ctr"/>
+            <a:endParaRPr lang="en-US"/>
+          </a:p>
+        </p:txBody>
+      </p:sp>
+      <p:sp>
+        <p:nvSpPr>
+          <p:cNvPr id="20" name="TextBox 19">
+            <a:extLst>
+              <a:ext uri="{FF2B5EF4-FFF2-40B4-BE49-F238E27FC236}">
+                <a16:creationId xmlns:a16="http://schemas.microsoft.com/office/drawing/2014/main" id="{D92F2516-493D-D702-D05D-A49826751412}"/>
+              </a:ext>
+            </a:extLst>
+          </p:cNvPr>
+          <p:cNvSpPr txBox="1"/>
+          <p:nvPr/>
+        </p:nvSpPr>
+        <p:spPr>
+          <a:xfrm>
+            <a:off x="-15914" y="1199642"/>
+            <a:ext cx="1144865" cy="246221"/>
+          </a:xfrm>
+          <a:prstGeom prst="rect">
+            <a:avLst/>
+          </a:prstGeom>
+          <a:noFill/>
+        </p:spPr>
+        <p:txBody>
+          <a:bodyPr wrap="none" rtlCol="0">
+            <a:spAutoFit/>
+          </a:bodyPr>
+          <a:lstStyle/>
+          <a:p>
+            <a:r>
+              <a:rPr lang="vi-VN" sz="1000" dirty="0">
+                <a:latin typeface="Times New Roman" panose="02020603050405020304" pitchFamily="18" charset="0"/>
+                <a:cs typeface="Times New Roman" panose="02020603050405020304" pitchFamily="18" charset="0"/>
+              </a:rPr>
+              <a:t>[Nhóm là riêng tư]</a:t>
             </a:r>
             <a:endParaRPr lang="en-US" sz="1000" dirty="0">
               <a:latin typeface="Times New Roman" panose="02020603050405020304" pitchFamily="18" charset="0"/>
